--- a/openings/galaxy opening.pptx
+++ b/openings/galaxy opening.pptx
@@ -104,6 +104,11 @@
       </a:defRPr>
     </a:lvl9pPr>
   </p:defaultTextStyle>
+  <p:extLst>
+    <p:ext uri="{EFAFB233-063F-42B5-8137-9DF3F51BA10A}">
+      <p15:sldGuideLst xmlns:p15="http://schemas.microsoft.com/office/powerpoint/2012/main"/>
+    </p:ext>
+  </p:extLst>
 </p:presentation>
 </file>
 
@@ -3369,7 +3374,7 @@
         </p:nvSpPr>
         <p:spPr>
           <a:xfrm>
-            <a:off x="300316" y="165122"/>
+            <a:off x="838200" y="181830"/>
             <a:ext cx="10515600" cy="808767"/>
           </a:xfrm>
         </p:spPr>
@@ -3379,16 +3384,16 @@
           </a:bodyPr>
           <a:lstStyle/>
           <a:p>
-            <a:pPr algn="just"/>
-            <a:r>
-              <a:rPr kumimoji="1" lang="en-US" altLang="zh-CN" sz="3200" dirty="0">
+            <a:pPr algn="ctr"/>
+            <a:r>
+              <a:rPr kumimoji="1" lang="en-US" altLang="zh-CN" sz="3300" dirty="0">
                 <a:latin typeface="Arial" panose="020B0604020202020204" pitchFamily="34" charset="0"/>
                 <a:ea typeface="Hei" pitchFamily="2" charset="-122"/>
                 <a:cs typeface="Arial" panose="020B0604020202020204" pitchFamily="34" charset="0"/>
               </a:rPr>
-              <a:t>Research opening: Galaxy Image Deblurring</a:t>
-            </a:r>
-            <a:endParaRPr kumimoji="1" lang="zh-CN" altLang="en-US" sz="3200" dirty="0">
+              <a:t>Research internship opening: Galaxy Image Deblurring</a:t>
+            </a:r>
+            <a:endParaRPr kumimoji="1" lang="zh-CN" altLang="en-US" sz="3300" dirty="0">
               <a:latin typeface="Arial" panose="020B0604020202020204" pitchFamily="34" charset="0"/>
               <a:ea typeface="Hei" pitchFamily="2" charset="-122"/>
               <a:cs typeface="Arial" panose="020B0604020202020204" pitchFamily="34" charset="0"/>
@@ -3414,7 +3419,7 @@
         </p:nvSpPr>
         <p:spPr>
           <a:xfrm>
-            <a:off x="479972" y="3778542"/>
+            <a:off x="479972" y="3866670"/>
             <a:ext cx="7044775" cy="2541501"/>
           </a:xfrm>
         </p:spPr>
@@ -3427,17 +3432,6 @@
             <a:pPr marL="0" indent="0" algn="just">
               <a:buNone/>
             </a:pPr>
-            <a:r>
-              <a:rPr lang="en-US" altLang="zh-CN" sz="1500" b="0" i="0" u="none" strike="noStrike">
-                <a:solidFill>
-                  <a:srgbClr val="000000"/>
-                </a:solidFill>
-                <a:effectLst/>
-                <a:latin typeface="Arial" panose="020B0604020202020204" pitchFamily="34" charset="0"/>
-                <a:cs typeface="Arial" panose="020B0604020202020204" pitchFamily="34" charset="0"/>
-              </a:rPr>
-              <a:t>Galaxy </a:t>
-            </a:r>
             <a:r>
               <a:rPr lang="en-US" altLang="zh-CN" sz="1500" b="0" i="0" u="none" strike="noStrike" dirty="0">
                 <a:solidFill>
@@ -3447,7 +3441,7 @@
                 <a:latin typeface="Arial" panose="020B0604020202020204" pitchFamily="34" charset="0"/>
                 <a:cs typeface="Arial" panose="020B0604020202020204" pitchFamily="34" charset="0"/>
               </a:rPr>
-              <a:t>images captured by telescopes are degraded by nonidealities in the atmosphere, optics, and sensors. Even the most advanced telescopes produce blurs in those images, which significantly hinders our ability to discern the true shapes and structures of these galaxies. We previously addressed this challenge by developing a physics-informed deep learning method to deblur galaxy images for the Rubin Observatory (LSST), enabling more accurate shape measurements for weak lensing studies (more details </a:t>
+              <a:t>Galaxy images captured by telescopes are degraded by nonidealities in the atmosphere, optics, and sensors. Even the most advanced telescopes produce blurs in those images, which significantly hinders our ability to discern the true shapes and structures of these galaxies. We previously addressed this challenge by developing a physics-informed deep learning method to deblur galaxy images for the Rubin Observatory (LSST), enabling more accurate shape measurements for weak lensing studies (more details </a:t>
             </a:r>
             <a:r>
               <a:rPr lang="en-US" altLang="zh-CN" sz="1500" b="0" i="0" u="none" strike="noStrike" dirty="0">
@@ -3502,7 +3496,7 @@
         </p:nvSpPr>
         <p:spPr>
           <a:xfrm>
-            <a:off x="7890933" y="1274859"/>
+            <a:off x="7835122" y="1270937"/>
             <a:ext cx="4301067" cy="4016484"/>
           </a:xfrm>
           <a:prstGeom prst="rect">
@@ -3516,7 +3510,6 @@
           </a:bodyPr>
           <a:lstStyle/>
           <a:p>
-            <a:pPr algn="l"/>
             <a:r>
               <a:rPr lang="en-US" altLang="zh-CN" sz="1500" b="1" i="0" u="none" strike="noStrike" dirty="0">
                 <a:solidFill>
@@ -3573,7 +3566,6 @@
             </a:r>
           </a:p>
           <a:p>
-            <a:pPr algn="l"/>
             <a:endParaRPr lang="en-US" altLang="zh-CN" sz="1500" b="0" i="0" u="none" strike="noStrike" dirty="0">
               <a:solidFill>
                 <a:srgbClr val="000000"/>
@@ -3584,7 +3576,6 @@
             </a:endParaRPr>
           </a:p>
           <a:p>
-            <a:pPr algn="l"/>
             <a:r>
               <a:rPr lang="en-US" altLang="zh-CN" sz="1500" b="1" i="0" u="none" strike="noStrike" dirty="0">
                 <a:solidFill>
@@ -3672,7 +3663,6 @@
             </a:r>
           </a:p>
           <a:p>
-            <a:pPr algn="l"/>
             <a:endParaRPr lang="en-US" altLang="zh-CN" sz="1500" b="0" i="0" u="none" strike="noStrike" dirty="0">
               <a:solidFill>
                 <a:srgbClr val="000000"/>
@@ -3683,7 +3673,6 @@
             </a:endParaRPr>
           </a:p>
           <a:p>
-            <a:pPr algn="l"/>
             <a:r>
               <a:rPr lang="en-US" altLang="zh-CN" sz="1500" b="0" i="0" u="none" strike="noStrike" dirty="0">
                 <a:solidFill>
@@ -3805,8 +3794,8 @@
         </p:blipFill>
         <p:spPr bwMode="auto">
           <a:xfrm>
-            <a:off x="10510886" y="5859867"/>
-            <a:ext cx="1681114" cy="998133"/>
+            <a:off x="10601912" y="5936127"/>
+            <a:ext cx="1590088" cy="944088"/>
           </a:xfrm>
           <a:prstGeom prst="rect">
             <a:avLst/>
@@ -3845,8 +3834,8 @@
         </p:blipFill>
         <p:spPr>
           <a:xfrm>
-            <a:off x="7399555" y="6151974"/>
-            <a:ext cx="3014532" cy="609979"/>
+            <a:off x="7156764" y="6097123"/>
+            <a:ext cx="3310717" cy="669911"/>
           </a:xfrm>
           <a:prstGeom prst="rect">
             <a:avLst/>

--- a/openings/galaxy opening.pptx
+++ b/openings/galaxy opening.pptx
@@ -259,7 +259,7 @@
           <a:p>
             <a:fld id="{0B14BDBB-7998-3D44-8621-43EE41645951}" type="datetimeFigureOut">
               <a:rPr kumimoji="1" lang="zh-CN" altLang="en-US" smtClean="0"/>
-              <a:t>2024/4/1</a:t>
+              <a:t>2024/4/2</a:t>
             </a:fld>
             <a:endParaRPr kumimoji="1" lang="zh-CN" altLang="en-US"/>
           </a:p>
@@ -457,7 +457,7 @@
           <a:p>
             <a:fld id="{0B14BDBB-7998-3D44-8621-43EE41645951}" type="datetimeFigureOut">
               <a:rPr kumimoji="1" lang="zh-CN" altLang="en-US" smtClean="0"/>
-              <a:t>2024/4/1</a:t>
+              <a:t>2024/4/2</a:t>
             </a:fld>
             <a:endParaRPr kumimoji="1" lang="zh-CN" altLang="en-US"/>
           </a:p>
@@ -665,7 +665,7 @@
           <a:p>
             <a:fld id="{0B14BDBB-7998-3D44-8621-43EE41645951}" type="datetimeFigureOut">
               <a:rPr kumimoji="1" lang="zh-CN" altLang="en-US" smtClean="0"/>
-              <a:t>2024/4/1</a:t>
+              <a:t>2024/4/2</a:t>
             </a:fld>
             <a:endParaRPr kumimoji="1" lang="zh-CN" altLang="en-US"/>
           </a:p>
@@ -863,7 +863,7 @@
           <a:p>
             <a:fld id="{0B14BDBB-7998-3D44-8621-43EE41645951}" type="datetimeFigureOut">
               <a:rPr kumimoji="1" lang="zh-CN" altLang="en-US" smtClean="0"/>
-              <a:t>2024/4/1</a:t>
+              <a:t>2024/4/2</a:t>
             </a:fld>
             <a:endParaRPr kumimoji="1" lang="zh-CN" altLang="en-US"/>
           </a:p>
@@ -1138,7 +1138,7 @@
           <a:p>
             <a:fld id="{0B14BDBB-7998-3D44-8621-43EE41645951}" type="datetimeFigureOut">
               <a:rPr kumimoji="1" lang="zh-CN" altLang="en-US" smtClean="0"/>
-              <a:t>2024/4/1</a:t>
+              <a:t>2024/4/2</a:t>
             </a:fld>
             <a:endParaRPr kumimoji="1" lang="zh-CN" altLang="en-US"/>
           </a:p>
@@ -1403,7 +1403,7 @@
           <a:p>
             <a:fld id="{0B14BDBB-7998-3D44-8621-43EE41645951}" type="datetimeFigureOut">
               <a:rPr kumimoji="1" lang="zh-CN" altLang="en-US" smtClean="0"/>
-              <a:t>2024/4/1</a:t>
+              <a:t>2024/4/2</a:t>
             </a:fld>
             <a:endParaRPr kumimoji="1" lang="zh-CN" altLang="en-US"/>
           </a:p>
@@ -1815,7 +1815,7 @@
           <a:p>
             <a:fld id="{0B14BDBB-7998-3D44-8621-43EE41645951}" type="datetimeFigureOut">
               <a:rPr kumimoji="1" lang="zh-CN" altLang="en-US" smtClean="0"/>
-              <a:t>2024/4/1</a:t>
+              <a:t>2024/4/2</a:t>
             </a:fld>
             <a:endParaRPr kumimoji="1" lang="zh-CN" altLang="en-US"/>
           </a:p>
@@ -1956,7 +1956,7 @@
           <a:p>
             <a:fld id="{0B14BDBB-7998-3D44-8621-43EE41645951}" type="datetimeFigureOut">
               <a:rPr kumimoji="1" lang="zh-CN" altLang="en-US" smtClean="0"/>
-              <a:t>2024/4/1</a:t>
+              <a:t>2024/4/2</a:t>
             </a:fld>
             <a:endParaRPr kumimoji="1" lang="zh-CN" altLang="en-US"/>
           </a:p>
@@ -2069,7 +2069,7 @@
           <a:p>
             <a:fld id="{0B14BDBB-7998-3D44-8621-43EE41645951}" type="datetimeFigureOut">
               <a:rPr kumimoji="1" lang="zh-CN" altLang="en-US" smtClean="0"/>
-              <a:t>2024/4/1</a:t>
+              <a:t>2024/4/2</a:t>
             </a:fld>
             <a:endParaRPr kumimoji="1" lang="zh-CN" altLang="en-US"/>
           </a:p>
@@ -2380,7 +2380,7 @@
           <a:p>
             <a:fld id="{0B14BDBB-7998-3D44-8621-43EE41645951}" type="datetimeFigureOut">
               <a:rPr kumimoji="1" lang="zh-CN" altLang="en-US" smtClean="0"/>
-              <a:t>2024/4/1</a:t>
+              <a:t>2024/4/2</a:t>
             </a:fld>
             <a:endParaRPr kumimoji="1" lang="zh-CN" altLang="en-US"/>
           </a:p>
@@ -2668,7 +2668,7 @@
           <a:p>
             <a:fld id="{0B14BDBB-7998-3D44-8621-43EE41645951}" type="datetimeFigureOut">
               <a:rPr kumimoji="1" lang="zh-CN" altLang="en-US" smtClean="0"/>
-              <a:t>2024/4/1</a:t>
+              <a:t>2024/4/2</a:t>
             </a:fld>
             <a:endParaRPr kumimoji="1" lang="zh-CN" altLang="en-US"/>
           </a:p>
@@ -2909,7 +2909,7 @@
           <a:p>
             <a:fld id="{0B14BDBB-7998-3D44-8621-43EE41645951}" type="datetimeFigureOut">
               <a:rPr kumimoji="1" lang="zh-CN" altLang="en-US" smtClean="0"/>
-              <a:t>2024/4/1</a:t>
+              <a:t>2024/4/2</a:t>
             </a:fld>
             <a:endParaRPr kumimoji="1" lang="zh-CN" altLang="en-US"/>
           </a:p>
@@ -3374,8 +3374,8 @@
         </p:nvSpPr>
         <p:spPr>
           <a:xfrm>
-            <a:off x="838200" y="181830"/>
-            <a:ext cx="10515600" cy="808767"/>
+            <a:off x="373398" y="170557"/>
+            <a:ext cx="9633937" cy="808767"/>
           </a:xfrm>
         </p:spPr>
         <p:txBody>
@@ -3384,14 +3384,13 @@
           </a:bodyPr>
           <a:lstStyle/>
           <a:p>
-            <a:pPr algn="ctr"/>
             <a:r>
               <a:rPr kumimoji="1" lang="en-US" altLang="zh-CN" sz="3300" dirty="0">
                 <a:latin typeface="Arial" panose="020B0604020202020204" pitchFamily="34" charset="0"/>
                 <a:ea typeface="Hei" pitchFamily="2" charset="-122"/>
                 <a:cs typeface="Arial" panose="020B0604020202020204" pitchFamily="34" charset="0"/>
               </a:rPr>
-              <a:t>Research internship opening: Galaxy Image Deblurring</a:t>
+              <a:t>Research internship: Galaxy Image Deblurring</a:t>
             </a:r>
             <a:endParaRPr kumimoji="1" lang="zh-CN" altLang="en-US" sz="3300" dirty="0">
               <a:latin typeface="Arial" panose="020B0604020202020204" pitchFamily="34" charset="0"/>
@@ -3419,7 +3418,7 @@
         </p:nvSpPr>
         <p:spPr>
           <a:xfrm>
-            <a:off x="479972" y="3866670"/>
+            <a:off x="401594" y="3953756"/>
             <a:ext cx="7044775" cy="2541501"/>
           </a:xfrm>
         </p:spPr>
@@ -3496,8 +3495,8 @@
         </p:nvSpPr>
         <p:spPr>
           <a:xfrm>
-            <a:off x="7835122" y="1270937"/>
-            <a:ext cx="4301067" cy="4016484"/>
+            <a:off x="7822670" y="1115086"/>
+            <a:ext cx="4369330" cy="4842864"/>
           </a:xfrm>
           <a:prstGeom prst="rect">
             <a:avLst/>
@@ -3511,7 +3510,7 @@
           <a:lstStyle/>
           <a:p>
             <a:r>
-              <a:rPr lang="en-US" altLang="zh-CN" sz="1500" b="1" i="0" u="none" strike="noStrike" dirty="0">
+              <a:rPr lang="en-US" altLang="zh-CN" sz="1470" b="1" i="0" u="none" strike="noStrike" dirty="0">
                 <a:solidFill>
                   <a:srgbClr val="000000"/>
                 </a:solidFill>
@@ -3522,7 +3521,7 @@
               <a:t>Desired Skills and Background</a:t>
             </a:r>
             <a:r>
-              <a:rPr lang="en-US" altLang="zh-CN" sz="1500" b="0" i="0" u="none" strike="noStrike" dirty="0">
+              <a:rPr lang="en-US" altLang="zh-CN" sz="1470" b="0" i="0" u="none" strike="noStrike" dirty="0">
                 <a:solidFill>
                   <a:srgbClr val="000000"/>
                 </a:solidFill>
@@ -3533,7 +3532,7 @@
               <a:t>:</a:t>
             </a:r>
             <a:br>
-              <a:rPr lang="en-US" altLang="zh-CN" sz="1500" b="0" i="0" u="none" strike="noStrike" dirty="0">
+              <a:rPr lang="en-US" altLang="zh-CN" sz="1470" b="0" i="0" u="none" strike="noStrike" dirty="0">
                 <a:solidFill>
                   <a:srgbClr val="000000"/>
                 </a:solidFill>
@@ -3543,7 +3542,7 @@
               </a:rPr>
             </a:br>
             <a:r>
-              <a:rPr lang="en-US" altLang="zh-CN" sz="1500" b="0" i="1" u="none" strike="noStrike" dirty="0">
+              <a:rPr lang="en-US" altLang="zh-CN" sz="1470" b="0" i="1" u="none" strike="noStrike" dirty="0">
                 <a:solidFill>
                   <a:srgbClr val="000000"/>
                 </a:solidFill>
@@ -3551,10 +3550,10 @@
                 <a:latin typeface="Arial" panose="020B0604020202020204" pitchFamily="34" charset="0"/>
                 <a:cs typeface="Arial" panose="020B0604020202020204" pitchFamily="34" charset="0"/>
               </a:rPr>
-              <a:t>Image processing, Signal processing</a:t>
-            </a:r>
-            <a:r>
-              <a:rPr lang="en-US" altLang="zh-CN" sz="1500" b="0" i="0" u="none" strike="noStrike" dirty="0">
+              <a:t>Signal processing, Computer Vision</a:t>
+            </a:r>
+            <a:r>
+              <a:rPr lang="en-US" altLang="zh-CN" sz="1470" b="0" i="0" u="none" strike="noStrike" dirty="0">
                 <a:solidFill>
                   <a:srgbClr val="000000"/>
                 </a:solidFill>
@@ -3566,7 +3565,7 @@
             </a:r>
           </a:p>
           <a:p>
-            <a:endParaRPr lang="en-US" altLang="zh-CN" sz="1500" b="0" i="0" u="none" strike="noStrike" dirty="0">
+            <a:endParaRPr lang="en-US" altLang="zh-CN" sz="1470" b="0" i="0" u="none" strike="noStrike" dirty="0">
               <a:solidFill>
                 <a:srgbClr val="000000"/>
               </a:solidFill>
@@ -3577,7 +3576,7 @@
           </a:p>
           <a:p>
             <a:r>
-              <a:rPr lang="en-US" altLang="zh-CN" sz="1500" b="1" i="0" u="none" strike="noStrike" dirty="0">
+              <a:rPr lang="en-US" altLang="zh-CN" sz="1470" b="1" i="0" u="none" strike="noStrike" dirty="0">
                 <a:solidFill>
                   <a:srgbClr val="000000"/>
                 </a:solidFill>
@@ -3588,7 +3587,7 @@
               <a:t>Your responsibilities in this project</a:t>
             </a:r>
             <a:r>
-              <a:rPr lang="en-US" altLang="zh-CN" sz="1500" b="0" i="0" u="none" strike="noStrike" dirty="0">
+              <a:rPr lang="en-US" altLang="zh-CN" sz="1470" b="0" i="0" u="none" strike="noStrike" dirty="0">
                 <a:solidFill>
                   <a:srgbClr val="000000"/>
                 </a:solidFill>
@@ -3599,7 +3598,7 @@
               <a:t>:</a:t>
             </a:r>
             <a:br>
-              <a:rPr lang="en-US" altLang="zh-CN" sz="1500" b="0" i="0" u="none" strike="noStrike" dirty="0">
+              <a:rPr lang="en-US" altLang="zh-CN" sz="1470" b="0" i="0" u="none" strike="noStrike" dirty="0">
                 <a:solidFill>
                   <a:srgbClr val="000000"/>
                 </a:solidFill>
@@ -3609,7 +3608,7 @@
               </a:rPr>
             </a:br>
             <a:r>
-              <a:rPr lang="en-US" altLang="zh-CN" sz="1500" b="0" i="0" u="none" strike="noStrike" dirty="0">
+              <a:rPr lang="en-US" altLang="zh-CN" sz="1470" b="0" i="0" u="none" strike="noStrike" dirty="0">
                 <a:solidFill>
                   <a:srgbClr val="000000"/>
                 </a:solidFill>
@@ -3620,7 +3619,7 @@
               <a:t>1. Reading and presenting research papers.</a:t>
             </a:r>
             <a:br>
-              <a:rPr lang="en-US" altLang="zh-CN" sz="1500" b="0" i="0" u="none" strike="noStrike" dirty="0">
+              <a:rPr lang="en-US" altLang="zh-CN" sz="1470" b="0" i="0" u="none" strike="noStrike" dirty="0">
                 <a:solidFill>
                   <a:srgbClr val="000000"/>
                 </a:solidFill>
@@ -3630,7 +3629,7 @@
               </a:rPr>
             </a:br>
             <a:r>
-              <a:rPr lang="en-US" altLang="zh-CN" sz="1500" b="0" i="0" u="none" strike="noStrike" dirty="0">
+              <a:rPr lang="en-US" altLang="zh-CN" sz="1470" b="0" i="0" u="none" strike="noStrike" dirty="0">
                 <a:solidFill>
                   <a:srgbClr val="000000"/>
                 </a:solidFill>
@@ -3641,7 +3640,7 @@
               <a:t>2. Developing code and conducting experiments.</a:t>
             </a:r>
             <a:br>
-              <a:rPr lang="en-US" altLang="zh-CN" sz="1500" b="0" i="0" u="none" strike="noStrike" dirty="0">
+              <a:rPr lang="en-US" altLang="zh-CN" sz="1470" b="0" i="0" u="none" strike="noStrike" dirty="0">
                 <a:solidFill>
                   <a:srgbClr val="000000"/>
                 </a:solidFill>
@@ -3651,7 +3650,7 @@
               </a:rPr>
             </a:br>
             <a:r>
-              <a:rPr lang="en-US" altLang="zh-CN" sz="1500" b="0" i="0" u="none" strike="noStrike" dirty="0">
+              <a:rPr lang="en-US" altLang="zh-CN" sz="1470" b="0" i="0" u="none" strike="noStrike" dirty="0">
                 <a:solidFill>
                   <a:srgbClr val="000000"/>
                 </a:solidFill>
@@ -3663,7 +3662,7 @@
             </a:r>
           </a:p>
           <a:p>
-            <a:endParaRPr lang="en-US" altLang="zh-CN" sz="1500" b="0" i="0" u="none" strike="noStrike" dirty="0">
+            <a:endParaRPr lang="en-US" altLang="zh-CN" sz="1470" b="0" i="0" u="none" strike="noStrike" dirty="0">
               <a:solidFill>
                 <a:srgbClr val="000000"/>
               </a:solidFill>
@@ -3674,18 +3673,49 @@
           </a:p>
           <a:p>
             <a:r>
-              <a:rPr lang="en-US" altLang="zh-CN" sz="1500" b="0" i="0" u="none" strike="noStrike" dirty="0">
+              <a:rPr lang="en-US" altLang="zh-CN" sz="1470" b="0" i="0" dirty="0">
                 <a:solidFill>
                   <a:srgbClr val="000000"/>
                 </a:solidFill>
                 <a:effectLst/>
+                <a:highlight>
+                  <a:srgbClr val="FFFFFF"/>
+                </a:highlight>
                 <a:latin typeface="Arial" panose="020B0604020202020204" pitchFamily="34" charset="0"/>
                 <a:cs typeface="Arial" panose="020B0604020202020204" pitchFamily="34" charset="0"/>
               </a:rPr>
-              <a:t>We prefer undergrad/master's students at Northwestern with an interest in computational imaging/computer vision and availability to work through the summer. Please fill out </a:t>
-            </a:r>
-            <a:r>
-              <a:rPr lang="en-US" altLang="zh-CN" sz="1500" b="0" i="0" u="none" strike="noStrike" dirty="0">
+              <a:t>We are looking for undergrad/master's students in the US with an interest in computational imaging/computer vision and availability to work through the summer. You will work for at least </a:t>
+            </a:r>
+            <a:r>
+              <a:rPr lang="en-US" altLang="zh-CN" sz="1470" b="1" i="0" dirty="0">
+                <a:solidFill>
+                  <a:srgbClr val="000000"/>
+                </a:solidFill>
+                <a:effectLst/>
+                <a:highlight>
+                  <a:srgbClr val="FFFFFF"/>
+                </a:highlight>
+                <a:latin typeface="Arial" panose="020B0604020202020204" pitchFamily="34" charset="0"/>
+                <a:cs typeface="Arial" panose="020B0604020202020204" pitchFamily="34" charset="0"/>
+              </a:rPr>
+              <a:t>10 hours/week</a:t>
+            </a:r>
+            <a:r>
+              <a:rPr lang="en-US" altLang="zh-CN" sz="1470" b="0" i="0" dirty="0">
+                <a:solidFill>
+                  <a:srgbClr val="000000"/>
+                </a:solidFill>
+                <a:effectLst/>
+                <a:highlight>
+                  <a:srgbClr val="FFFFFF"/>
+                </a:highlight>
+                <a:latin typeface="Arial" panose="020B0604020202020204" pitchFamily="34" charset="0"/>
+                <a:cs typeface="Arial" panose="020B0604020202020204" pitchFamily="34" charset="0"/>
+              </a:rPr>
+              <a:t> and receive mentorship throughout the project. If you are an undergrad at Northwestern, we could fund you through the CS UG Summer Research Grant (deadline May 17th). Please reach out to us (</a:t>
+            </a:r>
+            <a:r>
+              <a:rPr lang="en-US" altLang="zh-CN" sz="1470" b="0" i="0" u="none" strike="noStrike" dirty="0">
                 <a:solidFill>
                   <a:schemeClr val="tx2">
                     <a:lumMod val="50000"/>
@@ -3693,9 +3723,50 @@
                   </a:schemeClr>
                 </a:solidFill>
                 <a:effectLst/>
+                <a:highlight>
+                  <a:srgbClr val="FFFFFF"/>
+                </a:highlight>
                 <a:latin typeface="Arial" panose="020B0604020202020204" pitchFamily="34" charset="0"/>
                 <a:cs typeface="Arial" panose="020B0604020202020204" pitchFamily="34" charset="0"/>
-                <a:hlinkClick r:id="rId4">
+                <a:hlinkClick r:id="rId4" tooltip="mailto:tianaoli@u.northwestern.edu">
+                  <a:extLst>
+                    <a:ext uri="{A12FA001-AC4F-418D-AE19-62706E023703}">
+                      <ahyp:hlinkClr xmlns:ahyp="http://schemas.microsoft.com/office/drawing/2018/hyperlinkcolor" val="tx"/>
+                    </a:ext>
+                  </a:extLst>
+                </a:hlinkClick>
+              </a:rPr>
+              <a:t>tianaoli@u.northwestern.edu</a:t>
+            </a:r>
+            <a:r>
+              <a:rPr lang="en-US" altLang="zh-CN" sz="1470" b="0" i="0" dirty="0">
+                <a:solidFill>
+                  <a:srgbClr val="000000"/>
+                </a:solidFill>
+                <a:effectLst/>
+                <a:highlight>
+                  <a:srgbClr val="FFFFFF"/>
+                </a:highlight>
+                <a:latin typeface="Arial" panose="020B0604020202020204" pitchFamily="34" charset="0"/>
+                <a:cs typeface="Arial" panose="020B0604020202020204" pitchFamily="34" charset="0"/>
+              </a:rPr>
+              <a:t>) and fill out </a:t>
+            </a:r>
+            <a:r>
+              <a:rPr lang="en-US" altLang="zh-CN" sz="1470" b="0" i="0" u="none" strike="noStrike" dirty="0">
+                <a:solidFill>
+                  <a:schemeClr val="tx2">
+                    <a:lumMod val="50000"/>
+                    <a:lumOff val="50000"/>
+                  </a:schemeClr>
+                </a:solidFill>
+                <a:effectLst/>
+                <a:highlight>
+                  <a:srgbClr val="FFFFFF"/>
+                </a:highlight>
+                <a:latin typeface="Arial" panose="020B0604020202020204" pitchFamily="34" charset="0"/>
+                <a:cs typeface="Arial" panose="020B0604020202020204" pitchFamily="34" charset="0"/>
+                <a:hlinkClick r:id="rId5" tooltip="https://docs.google.com/forms/d/e/1FAIpQLScImVXehwdmzbHSbIL1AMxEm7ydmy30Jl9eRK_2eQ4kgU--aw/viewform">
                   <a:extLst>
                     <a:ext uri="{A12FA001-AC4F-418D-AE19-62706E023703}">
                       <ahyp:hlinkClr xmlns:ahyp="http://schemas.microsoft.com/office/drawing/2018/hyperlinkcolor" val="tx"/>
@@ -3706,62 +3777,27 @@
               <a:t>this form</a:t>
             </a:r>
             <a:r>
-              <a:rPr lang="en-US" altLang="zh-CN" sz="1500" b="0" i="0" u="none" strike="noStrike" dirty="0">
-                <a:solidFill>
-                  <a:schemeClr val="tx2">
-                    <a:lumMod val="50000"/>
-                    <a:lumOff val="50000"/>
-                  </a:schemeClr>
-                </a:solidFill>
-                <a:effectLst/>
-                <a:latin typeface="Arial" panose="020B0604020202020204" pitchFamily="34" charset="0"/>
-                <a:cs typeface="Arial" panose="020B0604020202020204" pitchFamily="34" charset="0"/>
-              </a:rPr>
-              <a:t> </a:t>
-            </a:r>
-            <a:r>
-              <a:rPr lang="en-US" altLang="zh-CN" sz="1500" b="0" i="0" u="none" strike="noStrike" dirty="0">
+              <a:rPr lang="en-US" altLang="zh-CN" sz="1470" b="0" i="0" dirty="0">
                 <a:solidFill>
                   <a:srgbClr val="000000"/>
                 </a:solidFill>
                 <a:effectLst/>
+                <a:highlight>
+                  <a:srgbClr val="FFFFFF"/>
+                </a:highlight>
                 <a:latin typeface="Arial" panose="020B0604020202020204" pitchFamily="34" charset="0"/>
                 <a:cs typeface="Arial" panose="020B0604020202020204" pitchFamily="34" charset="0"/>
               </a:rPr>
-              <a:t>if you are interested. Feel free to reach out (</a:t>
-            </a:r>
-            <a:r>
-              <a:rPr lang="en-US" altLang="zh-CN" sz="1500" b="0" i="0" u="none" strike="noStrike" dirty="0" err="1">
-                <a:solidFill>
-                  <a:schemeClr val="tx2">
-                    <a:lumMod val="50000"/>
-                    <a:lumOff val="50000"/>
-                  </a:schemeClr>
-                </a:solidFill>
-                <a:effectLst/>
-                <a:latin typeface="Arial" panose="020B0604020202020204" pitchFamily="34" charset="0"/>
-                <a:cs typeface="Arial" panose="020B0604020202020204" pitchFamily="34" charset="0"/>
-                <a:hlinkClick r:id="rId5">
-                  <a:extLst>
-                    <a:ext uri="{A12FA001-AC4F-418D-AE19-62706E023703}">
-                      <ahyp:hlinkClr xmlns:ahyp="http://schemas.microsoft.com/office/drawing/2018/hyperlinkcolor" val="tx"/>
-                    </a:ext>
-                  </a:extLst>
-                </a:hlinkClick>
-              </a:rPr>
-              <a:t>tianaoli@u.northwestern.edu</a:t>
-            </a:r>
-            <a:r>
-              <a:rPr lang="en-US" altLang="zh-CN" sz="1500" b="0" i="0" u="none" strike="noStrike" dirty="0">
-                <a:solidFill>
-                  <a:srgbClr val="000000"/>
-                </a:solidFill>
-                <a:effectLst/>
-                <a:latin typeface="Arial" panose="020B0604020202020204" pitchFamily="34" charset="0"/>
-                <a:cs typeface="Arial" panose="020B0604020202020204" pitchFamily="34" charset="0"/>
-              </a:rPr>
-              <a:t>) if you have any questions/concerns.</a:t>
-            </a:r>
+              <a:t> if you are interested.</a:t>
+            </a:r>
+            <a:endParaRPr lang="en-US" altLang="zh-CN" sz="1470" b="0" i="0" u="none" strike="noStrike" dirty="0">
+              <a:solidFill>
+                <a:srgbClr val="000000"/>
+              </a:solidFill>
+              <a:effectLst/>
+              <a:latin typeface="Arial" panose="020B0604020202020204" pitchFamily="34" charset="0"/>
+              <a:cs typeface="Arial" panose="020B0604020202020204" pitchFamily="34" charset="0"/>
+            </a:endParaRPr>
           </a:p>
         </p:txBody>
       </p:sp>
@@ -3794,8 +3830,8 @@
         </p:blipFill>
         <p:spPr bwMode="auto">
           <a:xfrm>
-            <a:off x="10601912" y="5936127"/>
-            <a:ext cx="1590088" cy="944088"/>
+            <a:off x="10597238" y="5995070"/>
+            <a:ext cx="1487625" cy="883252"/>
           </a:xfrm>
           <a:prstGeom prst="rect">
             <a:avLst/>
@@ -3834,8 +3870,38 @@
         </p:blipFill>
         <p:spPr>
           <a:xfrm>
-            <a:off x="7156764" y="6097123"/>
-            <a:ext cx="3310717" cy="669911"/>
+            <a:off x="7072119" y="6095042"/>
+            <a:ext cx="3376920" cy="683307"/>
+          </a:xfrm>
+          <a:prstGeom prst="rect">
+            <a:avLst/>
+          </a:prstGeom>
+        </p:spPr>
+      </p:pic>
+      <p:pic>
+        <p:nvPicPr>
+          <p:cNvPr id="6" name="图片 5" descr="QR 代码&#10;&#10;描述已自动生成">
+            <a:extLst>
+              <a:ext uri="{FF2B5EF4-FFF2-40B4-BE49-F238E27FC236}">
+                <a16:creationId xmlns:a16="http://schemas.microsoft.com/office/drawing/2014/main" id="{8C7FB92F-8C47-C526-482F-AAC347F09D63}"/>
+              </a:ext>
+            </a:extLst>
+          </p:cNvPr>
+          <p:cNvPicPr>
+            <a:picLocks noChangeAspect="1"/>
+          </p:cNvPicPr>
+          <p:nvPr/>
+        </p:nvPicPr>
+        <p:blipFill>
+          <a:blip r:embed="rId8"/>
+          <a:stretch>
+            <a:fillRect/>
+          </a:stretch>
+        </p:blipFill>
+        <p:spPr>
+          <a:xfrm>
+            <a:off x="11047751" y="0"/>
+            <a:ext cx="1144249" cy="1144249"/>
           </a:xfrm>
           <a:prstGeom prst="rect">
             <a:avLst/>
